--- a/Docs/Powerpoints/KSU Athletics Data Warehouse.pptx
+++ b/Docs/Powerpoints/KSU Athletics Data Warehouse.pptx
@@ -9,9 +9,12 @@
     <p:sldId id="257" r:id="rId3"/>
     <p:sldId id="258" r:id="rId4"/>
     <p:sldId id="259" r:id="rId5"/>
-    <p:sldId id="260" r:id="rId6"/>
-    <p:sldId id="261" r:id="rId7"/>
-    <p:sldId id="262" r:id="rId8"/>
+    <p:sldId id="264" r:id="rId6"/>
+    <p:sldId id="265" r:id="rId7"/>
+    <p:sldId id="260" r:id="rId8"/>
+    <p:sldId id="262" r:id="rId9"/>
+    <p:sldId id="266" r:id="rId10"/>
+    <p:sldId id="263" r:id="rId11"/>
   </p:sldIdLst>
   <p:sldSz cx="12192000" cy="6858000"/>
   <p:notesSz cx="6858000" cy="9144000"/>
@@ -110,6 +113,11 @@
       </a:defRPr>
     </a:lvl9pPr>
   </p:defaultTextStyle>
+  <p:extLst>
+    <p:ext uri="{EFAFB233-063F-42B5-8137-9DF3F51BA10A}">
+      <p15:sldGuideLst xmlns:p15="http://schemas.microsoft.com/office/powerpoint/2012/main"/>
+    </p:ext>
+  </p:extLst>
 </p:presentation>
 </file>
 
@@ -276,7 +284,7 @@
             <a:fld id="{11A6662E-FAF4-44BC-88B5-85A7CBFB6D30}" type="datetime1">
               <a:rPr lang="en-US" smtClean="0"/>
               <a:pPr/>
-              <a:t>10/22/23</a:t>
+              <a:t>10/24/23</a:t>
             </a:fld>
             <a:endParaRPr lang="en-US" dirty="0"/>
           </a:p>
@@ -503,7 +511,7 @@
           <a:p>
             <a:fld id="{4C559632-1575-4E14-B53B-3DC3D5ED3947}" type="datetime1">
               <a:rPr lang="en-US" smtClean="0"/>
-              <a:t>10/22/23</a:t>
+              <a:t>10/24/23</a:t>
             </a:fld>
             <a:endParaRPr lang="en-US"/>
           </a:p>
@@ -711,7 +719,7 @@
           <a:p>
             <a:fld id="{CC4A6868-2568-4CC9-B302-F37117B01A6E}" type="datetime1">
               <a:rPr lang="en-US" smtClean="0"/>
-              <a:t>10/22/23</a:t>
+              <a:t>10/24/23</a:t>
             </a:fld>
             <a:endParaRPr lang="en-US"/>
           </a:p>
@@ -916,7 +924,7 @@
           <a:p>
             <a:fld id="{0055F08A-1E71-4B2B-BB49-E743F2903911}" type="datetime1">
               <a:rPr lang="en-US" smtClean="0"/>
-              <a:t>10/22/23</a:t>
+              <a:t>10/24/23</a:t>
             </a:fld>
             <a:endParaRPr lang="en-US" dirty="0"/>
           </a:p>
@@ -1190,7 +1198,7 @@
           <a:p>
             <a:fld id="{15417D9E-721A-44BB-8863-9873FE64DA75}" type="datetime1">
               <a:rPr lang="en-US" smtClean="0"/>
-              <a:t>10/22/23</a:t>
+              <a:t>10/24/23</a:t>
             </a:fld>
             <a:endParaRPr lang="en-US"/>
           </a:p>
@@ -1463,7 +1471,7 @@
           <a:p>
             <a:fld id="{5F31DA2F-80B8-49CF-99FB-5ABCA53A607A}" type="datetime1">
               <a:rPr lang="en-US" smtClean="0"/>
-              <a:t>10/22/23</a:t>
+              <a:t>10/24/23</a:t>
             </a:fld>
             <a:endParaRPr lang="en-US"/>
           </a:p>
@@ -1878,7 +1886,7 @@
           <a:p>
             <a:fld id="{28852172-E6C9-4B6C-929A-A9DE3837BBF1}" type="datetime1">
               <a:rPr lang="en-US" smtClean="0"/>
-              <a:t>10/22/23</a:t>
+              <a:t>10/24/23</a:t>
             </a:fld>
             <a:endParaRPr lang="en-US"/>
           </a:p>
@@ -2030,7 +2038,7 @@
           <a:p>
             <a:fld id="{3AB41CFF-90C9-47B3-9DA1-F2BF8D839F7E}" type="datetime1">
               <a:rPr lang="en-US" smtClean="0"/>
-              <a:t>10/22/23</a:t>
+              <a:t>10/24/23</a:t>
             </a:fld>
             <a:endParaRPr lang="en-US"/>
           </a:p>
@@ -2143,7 +2151,7 @@
           <a:p>
             <a:fld id="{F06048FA-06AB-4884-A69B-986B96E68A24}" type="datetime1">
               <a:rPr lang="en-US" smtClean="0"/>
-              <a:t>10/22/23</a:t>
+              <a:t>10/24/23</a:t>
             </a:fld>
             <a:endParaRPr lang="en-US"/>
           </a:p>
@@ -2454,7 +2462,7 @@
           <a:p>
             <a:fld id="{50DB7ABA-0172-4F9C-889D-567164F66BCD}" type="datetime1">
               <a:rPr lang="en-US" smtClean="0"/>
-              <a:t>10/22/23</a:t>
+              <a:t>10/24/23</a:t>
             </a:fld>
             <a:endParaRPr lang="en-US"/>
           </a:p>
@@ -2745,7 +2753,7 @@
           <a:p>
             <a:fld id="{78AC6A5B-8AE7-4A41-B5A7-9ADC6686DC18}" type="datetime1">
               <a:rPr lang="en-US" smtClean="0"/>
-              <a:t>10/22/23</a:t>
+              <a:t>10/24/23</a:t>
             </a:fld>
             <a:endParaRPr lang="en-US"/>
           </a:p>
@@ -3054,7 +3062,7 @@
             <a:fld id="{57E0CF6C-748E-4B7A-BC8B-3011EF78ED13}" type="datetime1">
               <a:rPr lang="en-US" smtClean="0"/>
               <a:pPr/>
-              <a:t>10/22/23</a:t>
+              <a:t>10/24/23</a:t>
             </a:fld>
             <a:endParaRPr lang="en-US" dirty="0"/>
           </a:p>
@@ -3887,6 +3895,104 @@
 </p:sld>
 </file>
 
+<file path=ppt/slides/slide10.xml><?xml version="1.0" encoding="utf-8"?>
+<p:sld xmlns:a="http://schemas.openxmlformats.org/drawingml/2006/main" xmlns:r="http://schemas.openxmlformats.org/officeDocument/2006/relationships" xmlns:p="http://schemas.openxmlformats.org/presentationml/2006/main">
+  <p:cSld>
+    <p:spTree>
+      <p:nvGrpSpPr>
+        <p:cNvPr id="1" name=""/>
+        <p:cNvGrpSpPr/>
+        <p:nvPr/>
+      </p:nvGrpSpPr>
+      <p:grpSpPr>
+        <a:xfrm>
+          <a:off x="0" y="0"/>
+          <a:ext cx="0" cy="0"/>
+          <a:chOff x="0" y="0"/>
+          <a:chExt cx="0" cy="0"/>
+        </a:xfrm>
+      </p:grpSpPr>
+      <p:sp>
+        <p:nvSpPr>
+          <p:cNvPr id="2" name="Title 1">
+            <a:extLst>
+              <a:ext uri="{FF2B5EF4-FFF2-40B4-BE49-F238E27FC236}">
+                <a16:creationId xmlns:a16="http://schemas.microsoft.com/office/drawing/2014/main" id="{4663878B-BE0E-0E68-2F05-D83EA1223505}"/>
+              </a:ext>
+            </a:extLst>
+          </p:cNvPr>
+          <p:cNvSpPr>
+            <a:spLocks noGrp="1"/>
+          </p:cNvSpPr>
+          <p:nvPr>
+            <p:ph type="title"/>
+          </p:nvPr>
+        </p:nvSpPr>
+        <p:spPr/>
+        <p:txBody>
+          <a:bodyPr/>
+          <a:lstStyle/>
+          <a:p>
+            <a:r>
+              <a:rPr lang="en-US" dirty="0"/>
+              <a:t>Where do we go from here?</a:t>
+            </a:r>
+          </a:p>
+        </p:txBody>
+      </p:sp>
+      <p:sp>
+        <p:nvSpPr>
+          <p:cNvPr id="3" name="Content Placeholder 2">
+            <a:extLst>
+              <a:ext uri="{FF2B5EF4-FFF2-40B4-BE49-F238E27FC236}">
+                <a16:creationId xmlns:a16="http://schemas.microsoft.com/office/drawing/2014/main" id="{1ADD49FB-CFBA-8340-8605-4993BEEA3B9A}"/>
+              </a:ext>
+            </a:extLst>
+          </p:cNvPr>
+          <p:cNvSpPr>
+            <a:spLocks noGrp="1"/>
+          </p:cNvSpPr>
+          <p:nvPr>
+            <p:ph idx="1"/>
+          </p:nvPr>
+        </p:nvSpPr>
+        <p:spPr/>
+        <p:txBody>
+          <a:bodyPr/>
+          <a:lstStyle/>
+          <a:p>
+            <a:r>
+              <a:rPr lang="en-US" dirty="0"/>
+              <a:t>Pinpoint and validate our data origins.</a:t>
+            </a:r>
+          </a:p>
+          <a:p>
+            <a:r>
+              <a:rPr lang="en-US" dirty="0"/>
+              <a:t>Define and refine our data handling methodologies.</a:t>
+            </a:r>
+          </a:p>
+          <a:p>
+            <a:r>
+              <a:rPr lang="en-US" dirty="0"/>
+              <a:t>Design and implement a robust, scalable database system.</a:t>
+            </a:r>
+          </a:p>
+        </p:txBody>
+      </p:sp>
+    </p:spTree>
+    <p:extLst>
+      <p:ext uri="{BB962C8B-B14F-4D97-AF65-F5344CB8AC3E}">
+        <p14:creationId xmlns:p14="http://schemas.microsoft.com/office/powerpoint/2010/main" val="3680779403"/>
+      </p:ext>
+    </p:extLst>
+  </p:cSld>
+  <p:clrMapOvr>
+    <a:masterClrMapping/>
+  </p:clrMapOvr>
+</p:sld>
+</file>
+
 <file path=ppt/slides/slide2.xml><?xml version="1.0" encoding="utf-8"?>
 <p:sld xmlns:a="http://schemas.openxmlformats.org/drawingml/2006/main" xmlns:r="http://schemas.openxmlformats.org/officeDocument/2006/relationships" xmlns:p="http://schemas.openxmlformats.org/presentationml/2006/main">
   <p:cSld>
@@ -4240,6 +4346,265 @@
 </file>
 
 <file path=ppt/slides/slide5.xml><?xml version="1.0" encoding="utf-8"?>
+<p:sld xmlns:a="http://schemas.openxmlformats.org/drawingml/2006/main" xmlns:r="http://schemas.openxmlformats.org/officeDocument/2006/relationships" xmlns:p="http://schemas.openxmlformats.org/presentationml/2006/main">
+  <p:cSld>
+    <p:spTree>
+      <p:nvGrpSpPr>
+        <p:cNvPr id="1" name=""/>
+        <p:cNvGrpSpPr/>
+        <p:nvPr/>
+      </p:nvGrpSpPr>
+      <p:grpSpPr>
+        <a:xfrm>
+          <a:off x="0" y="0"/>
+          <a:ext cx="0" cy="0"/>
+          <a:chOff x="0" y="0"/>
+          <a:chExt cx="0" cy="0"/>
+        </a:xfrm>
+      </p:grpSpPr>
+      <p:sp>
+        <p:nvSpPr>
+          <p:cNvPr id="2" name="Title 1">
+            <a:extLst>
+              <a:ext uri="{FF2B5EF4-FFF2-40B4-BE49-F238E27FC236}">
+                <a16:creationId xmlns:a16="http://schemas.microsoft.com/office/drawing/2014/main" id="{D4D911E8-4DC8-079B-5F44-7CB31198E9E1}"/>
+              </a:ext>
+            </a:extLst>
+          </p:cNvPr>
+          <p:cNvSpPr>
+            <a:spLocks noGrp="1"/>
+          </p:cNvSpPr>
+          <p:nvPr>
+            <p:ph type="title"/>
+          </p:nvPr>
+        </p:nvSpPr>
+        <p:spPr/>
+        <p:txBody>
+          <a:bodyPr/>
+          <a:lstStyle/>
+          <a:p>
+            <a:r>
+              <a:rPr lang="en-US" dirty="0"/>
+              <a:t>Identifying Our Sources</a:t>
+            </a:r>
+          </a:p>
+        </p:txBody>
+      </p:sp>
+      <p:sp>
+        <p:nvSpPr>
+          <p:cNvPr id="3" name="Content Placeholder 2">
+            <a:extLst>
+              <a:ext uri="{FF2B5EF4-FFF2-40B4-BE49-F238E27FC236}">
+                <a16:creationId xmlns:a16="http://schemas.microsoft.com/office/drawing/2014/main" id="{EAF0B56F-59E4-F271-C4E7-BDCEC9705EFE}"/>
+              </a:ext>
+            </a:extLst>
+          </p:cNvPr>
+          <p:cNvSpPr>
+            <a:spLocks noGrp="1"/>
+          </p:cNvSpPr>
+          <p:nvPr>
+            <p:ph idx="1"/>
+          </p:nvPr>
+        </p:nvSpPr>
+        <p:spPr>
+          <a:xfrm>
+            <a:off x="458694" y="1472812"/>
+            <a:ext cx="11274612" cy="5019428"/>
+          </a:xfrm>
+        </p:spPr>
+        <p:txBody>
+          <a:bodyPr>
+            <a:normAutofit lnSpcReduction="10000"/>
+          </a:bodyPr>
+          <a:lstStyle/>
+          <a:p>
+            <a:pPr marL="514350" indent="-514350">
+              <a:buFont typeface="+mj-lt"/>
+              <a:buAutoNum type="arabicPeriod"/>
+            </a:pPr>
+            <a:r>
+              <a:rPr lang="en-US" dirty="0"/>
+              <a:t>Identify trends that are both relevant and significant to ticket sales.</a:t>
+            </a:r>
+          </a:p>
+          <a:p>
+            <a:pPr marL="514350" indent="-514350">
+              <a:buFont typeface="+mj-lt"/>
+              <a:buAutoNum type="arabicPeriod"/>
+            </a:pPr>
+            <a:r>
+              <a:rPr lang="en-US" dirty="0"/>
+              <a:t>Assign a feasibility score to each potential data source to evaluate the ease and practicality of acquiring the data.</a:t>
+            </a:r>
+          </a:p>
+          <a:p>
+            <a:pPr marL="514350" indent="-514350">
+              <a:buFont typeface="+mj-lt"/>
+              <a:buAutoNum type="arabicPeriod"/>
+            </a:pPr>
+            <a:r>
+              <a:rPr lang="en-US" dirty="0"/>
+              <a:t>Establish a defined schedule for updating the dataset, taking into consideration whether continuous, real-time data retrieval is necessary or if periodic data pulls are sufficient.</a:t>
+            </a:r>
+          </a:p>
+          <a:p>
+            <a:pPr marL="514350" indent="-514350">
+              <a:buFont typeface="+mj-lt"/>
+              <a:buAutoNum type="arabicPeriod"/>
+            </a:pPr>
+            <a:r>
+              <a:rPr lang="en-US" dirty="0"/>
+              <a:t>Classify data sources based on their relevance and importance. Subsequently, prioritize them in accordance with their potential impact and reliability.</a:t>
+            </a:r>
+          </a:p>
+        </p:txBody>
+      </p:sp>
+    </p:spTree>
+    <p:extLst>
+      <p:ext uri="{BB962C8B-B14F-4D97-AF65-F5344CB8AC3E}">
+        <p14:creationId xmlns:p14="http://schemas.microsoft.com/office/powerpoint/2010/main" val="3435968340"/>
+      </p:ext>
+    </p:extLst>
+  </p:cSld>
+  <p:clrMapOvr>
+    <a:masterClrMapping/>
+  </p:clrMapOvr>
+</p:sld>
+</file>
+
+<file path=ppt/slides/slide6.xml><?xml version="1.0" encoding="utf-8"?>
+<p:sld xmlns:a="http://schemas.openxmlformats.org/drawingml/2006/main" xmlns:r="http://schemas.openxmlformats.org/officeDocument/2006/relationships" xmlns:p="http://schemas.openxmlformats.org/presentationml/2006/main">
+  <p:cSld>
+    <p:spTree>
+      <p:nvGrpSpPr>
+        <p:cNvPr id="1" name=""/>
+        <p:cNvGrpSpPr/>
+        <p:nvPr/>
+      </p:nvGrpSpPr>
+      <p:grpSpPr>
+        <a:xfrm>
+          <a:off x="0" y="0"/>
+          <a:ext cx="0" cy="0"/>
+          <a:chOff x="0" y="0"/>
+          <a:chExt cx="0" cy="0"/>
+        </a:xfrm>
+      </p:grpSpPr>
+      <p:sp>
+        <p:nvSpPr>
+          <p:cNvPr id="2" name="Title 1">
+            <a:extLst>
+              <a:ext uri="{FF2B5EF4-FFF2-40B4-BE49-F238E27FC236}">
+                <a16:creationId xmlns:a16="http://schemas.microsoft.com/office/drawing/2014/main" id="{6E605D9E-F5B6-DA0E-F855-38D16C67768D}"/>
+              </a:ext>
+            </a:extLst>
+          </p:cNvPr>
+          <p:cNvSpPr>
+            <a:spLocks noGrp="1"/>
+          </p:cNvSpPr>
+          <p:nvPr>
+            <p:ph type="title"/>
+          </p:nvPr>
+        </p:nvSpPr>
+        <p:spPr/>
+        <p:txBody>
+          <a:bodyPr/>
+          <a:lstStyle/>
+          <a:p>
+            <a:r>
+              <a:rPr lang="en-US" dirty="0"/>
+              <a:t>Initial and Potential Data Sources</a:t>
+            </a:r>
+          </a:p>
+        </p:txBody>
+      </p:sp>
+      <p:sp>
+        <p:nvSpPr>
+          <p:cNvPr id="3" name="Content Placeholder 2">
+            <a:extLst>
+              <a:ext uri="{FF2B5EF4-FFF2-40B4-BE49-F238E27FC236}">
+                <a16:creationId xmlns:a16="http://schemas.microsoft.com/office/drawing/2014/main" id="{682C33DA-ABD0-3BDA-3B5C-A53DC5A16659}"/>
+              </a:ext>
+            </a:extLst>
+          </p:cNvPr>
+          <p:cNvSpPr>
+            <a:spLocks noGrp="1"/>
+          </p:cNvSpPr>
+          <p:nvPr>
+            <p:ph idx="1"/>
+          </p:nvPr>
+        </p:nvSpPr>
+        <p:spPr/>
+        <p:txBody>
+          <a:bodyPr/>
+          <a:lstStyle/>
+          <a:p>
+            <a:r>
+              <a:rPr lang="en-US" dirty="0"/>
+              <a:t>Internal</a:t>
+            </a:r>
+          </a:p>
+          <a:p>
+            <a:r>
+              <a:rPr lang="en-US" dirty="0"/>
+              <a:t>External</a:t>
+            </a:r>
+          </a:p>
+          <a:p>
+            <a:r>
+              <a:rPr lang="en-US" dirty="0"/>
+              <a:t>Architect to expand</a:t>
+            </a:r>
+          </a:p>
+          <a:p>
+            <a:pPr lvl="1"/>
+            <a:endParaRPr lang="en-US" dirty="0"/>
+          </a:p>
+        </p:txBody>
+      </p:sp>
+      <p:pic>
+        <p:nvPicPr>
+          <p:cNvPr id="4" name="Picture 3" descr="A diagram of data warehouse&#10;&#10;Description automatically generated">
+            <a:extLst>
+              <a:ext uri="{FF2B5EF4-FFF2-40B4-BE49-F238E27FC236}">
+                <a16:creationId xmlns:a16="http://schemas.microsoft.com/office/drawing/2014/main" id="{0262EE37-14A3-4FEB-C5EE-2B9EB35C3508}"/>
+              </a:ext>
+            </a:extLst>
+          </p:cNvPr>
+          <p:cNvPicPr>
+            <a:picLocks noChangeAspect="1"/>
+          </p:cNvPicPr>
+          <p:nvPr/>
+        </p:nvPicPr>
+        <p:blipFill>
+          <a:blip r:embed="rId2"/>
+          <a:stretch>
+            <a:fillRect/>
+          </a:stretch>
+        </p:blipFill>
+        <p:spPr>
+          <a:xfrm>
+            <a:off x="6096000" y="1334919"/>
+            <a:ext cx="5775001" cy="5239265"/>
+          </a:xfrm>
+          <a:prstGeom prst="rect">
+            <a:avLst/>
+          </a:prstGeom>
+        </p:spPr>
+      </p:pic>
+    </p:spTree>
+    <p:extLst>
+      <p:ext uri="{BB962C8B-B14F-4D97-AF65-F5344CB8AC3E}">
+        <p14:creationId xmlns:p14="http://schemas.microsoft.com/office/powerpoint/2010/main" val="3702293603"/>
+      </p:ext>
+    </p:extLst>
+  </p:cSld>
+  <p:clrMapOvr>
+    <a:masterClrMapping/>
+  </p:clrMapOvr>
+</p:sld>
+</file>
+
+<file path=ppt/slides/slide7.xml><?xml version="1.0" encoding="utf-8"?>
 <p:sld xmlns:a="http://schemas.openxmlformats.org/drawingml/2006/main" xmlns:r="http://schemas.openxmlformats.org/officeDocument/2006/relationships" xmlns:p="http://schemas.openxmlformats.org/presentationml/2006/main">
   <p:cSld>
     <p:bg>
@@ -4596,7 +4961,7 @@
         </p:nvSpPr>
         <p:spPr>
           <a:xfrm>
-            <a:off x="838200" y="2838557"/>
+            <a:off x="896558" y="2259204"/>
             <a:ext cx="5412901" cy="3446247"/>
           </a:xfrm>
           <a:prstGeom prst="rect">
@@ -4712,443 +5077,7 @@
 </p:sld>
 </file>
 
-<file path=ppt/slides/slide6.xml><?xml version="1.0" encoding="utf-8"?>
-<p:sld xmlns:a="http://schemas.openxmlformats.org/drawingml/2006/main" xmlns:r="http://schemas.openxmlformats.org/officeDocument/2006/relationships" xmlns:p="http://schemas.openxmlformats.org/presentationml/2006/main">
-  <p:cSld>
-    <p:bg>
-      <p:bgPr>
-        <a:solidFill>
-          <a:schemeClr val="bg1"/>
-        </a:solidFill>
-        <a:effectLst/>
-      </p:bgPr>
-    </p:bg>
-    <p:spTree>
-      <p:nvGrpSpPr>
-        <p:cNvPr id="1" name=""/>
-        <p:cNvGrpSpPr/>
-        <p:nvPr/>
-      </p:nvGrpSpPr>
-      <p:grpSpPr>
-        <a:xfrm>
-          <a:off x="0" y="0"/>
-          <a:ext cx="0" cy="0"/>
-          <a:chOff x="0" y="0"/>
-          <a:chExt cx="0" cy="0"/>
-        </a:xfrm>
-      </p:grpSpPr>
-      <p:sp useBgFill="1">
-        <p:nvSpPr>
-          <p:cNvPr id="10" name="Rectangle 9">
-            <a:extLst>
-              <a:ext uri="{FF2B5EF4-FFF2-40B4-BE49-F238E27FC236}">
-                <a16:creationId xmlns:a16="http://schemas.microsoft.com/office/drawing/2014/main" id="{8651CFA9-6065-4243-AC48-858E359780B1}"/>
-              </a:ext>
-              <a:ext uri="{C183D7F6-B498-43B3-948B-1728B52AA6E4}">
-                <adec:decorative xmlns:adec="http://schemas.microsoft.com/office/drawing/2017/decorative" val="1"/>
-              </a:ext>
-            </a:extLst>
-          </p:cNvPr>
-          <p:cNvSpPr>
-            <a:spLocks noGrp="1" noRot="1" noChangeAspect="1" noMove="1" noResize="1" noEditPoints="1" noAdjustHandles="1" noChangeArrowheads="1" noChangeShapeType="1" noTextEdit="1"/>
-          </p:cNvSpPr>
-          <p:nvPr>
-            <p:extLst>
-              <p:ext uri="{386F3935-93C4-4BCD-93E2-E3B085C9AB24}">
-                <p16:designElem xmlns:p16="http://schemas.microsoft.com/office/powerpoint/2015/main" val="1"/>
-              </p:ext>
-            </p:extLst>
-          </p:nvPr>
-        </p:nvSpPr>
-        <p:spPr>
-          <a:xfrm>
-            <a:off x="0" y="0"/>
-            <a:ext cx="12188952" cy="6858000"/>
-          </a:xfrm>
-          <a:prstGeom prst="rect">
-            <a:avLst/>
-          </a:prstGeom>
-          <a:ln>
-            <a:noFill/>
-          </a:ln>
-        </p:spPr>
-        <p:style>
-          <a:lnRef idx="2">
-            <a:schemeClr val="accent1">
-              <a:shade val="50000"/>
-            </a:schemeClr>
-          </a:lnRef>
-          <a:fillRef idx="1">
-            <a:schemeClr val="accent1"/>
-          </a:fillRef>
-          <a:effectRef idx="0">
-            <a:schemeClr val="accent1"/>
-          </a:effectRef>
-          <a:fontRef idx="minor">
-            <a:schemeClr val="lt1"/>
-          </a:fontRef>
-        </p:style>
-        <p:txBody>
-          <a:bodyPr rtlCol="0" anchor="ctr"/>
-          <a:lstStyle/>
-          <a:p>
-            <a:pPr algn="ctr"/>
-            <a:endParaRPr lang="en-US" dirty="0">
-              <a:solidFill>
-                <a:schemeClr val="tx1">
-                  <a:lumMod val="65000"/>
-                  <a:lumOff val="35000"/>
-                </a:schemeClr>
-              </a:solidFill>
-              <a:latin typeface="AvenirNext LT Pro Medium" panose="020B0504020202020204" pitchFamily="34" charset="0"/>
-            </a:endParaRPr>
-          </a:p>
-        </p:txBody>
-      </p:sp>
-      <p:sp>
-        <p:nvSpPr>
-          <p:cNvPr id="12" name="Rectangle 11">
-            <a:extLst>
-              <a:ext uri="{FF2B5EF4-FFF2-40B4-BE49-F238E27FC236}">
-                <a16:creationId xmlns:a16="http://schemas.microsoft.com/office/drawing/2014/main" id="{FBC8BBE5-981E-4B0B-9654-32B5668BFF31}"/>
-              </a:ext>
-              <a:ext uri="{C183D7F6-B498-43B3-948B-1728B52AA6E4}">
-                <adec:decorative xmlns:adec="http://schemas.microsoft.com/office/drawing/2017/decorative" val="1"/>
-              </a:ext>
-            </a:extLst>
-          </p:cNvPr>
-          <p:cNvSpPr>
-            <a:spLocks noGrp="1" noRot="1" noChangeAspect="1" noMove="1" noResize="1" noEditPoints="1" noAdjustHandles="1" noChangeArrowheads="1" noChangeShapeType="1" noTextEdit="1"/>
-          </p:cNvSpPr>
-          <p:nvPr>
-            <p:extLst>
-              <p:ext uri="{386F3935-93C4-4BCD-93E2-E3B085C9AB24}">
-                <p16:designElem xmlns:p16="http://schemas.microsoft.com/office/powerpoint/2015/main" val="1"/>
-              </p:ext>
-            </p:extLst>
-          </p:nvPr>
-        </p:nvSpPr>
-        <p:spPr>
-          <a:xfrm>
-            <a:off x="3048" y="0"/>
-            <a:ext cx="12188952" cy="6858000"/>
-          </a:xfrm>
-          <a:prstGeom prst="rect">
-            <a:avLst/>
-          </a:prstGeom>
-          <a:solidFill>
-            <a:schemeClr val="bg2">
-              <a:lumMod val="90000"/>
-              <a:alpha val="70000"/>
-            </a:schemeClr>
-          </a:solidFill>
-          <a:ln>
-            <a:noFill/>
-          </a:ln>
-        </p:spPr>
-        <p:style>
-          <a:lnRef idx="2">
-            <a:schemeClr val="accent1">
-              <a:shade val="50000"/>
-            </a:schemeClr>
-          </a:lnRef>
-          <a:fillRef idx="1">
-            <a:schemeClr val="accent1"/>
-          </a:fillRef>
-          <a:effectRef idx="0">
-            <a:schemeClr val="accent1"/>
-          </a:effectRef>
-          <a:fontRef idx="minor">
-            <a:schemeClr val="lt1"/>
-          </a:fontRef>
-        </p:style>
-        <p:txBody>
-          <a:bodyPr rtlCol="0" anchor="ctr"/>
-          <a:lstStyle/>
-          <a:p>
-            <a:pPr algn="ctr"/>
-            <a:endParaRPr lang="en-US">
-              <a:solidFill>
-                <a:schemeClr val="tx1">
-                  <a:lumMod val="65000"/>
-                  <a:lumOff val="35000"/>
-                </a:schemeClr>
-              </a:solidFill>
-              <a:latin typeface="AvenirNext LT Pro Medium" panose="020B0504020202020204" pitchFamily="34" charset="0"/>
-            </a:endParaRPr>
-          </a:p>
-        </p:txBody>
-      </p:sp>
-      <p:grpSp>
-        <p:nvGrpSpPr>
-          <p:cNvPr id="14" name="Group 13">
-            <a:extLst>
-              <a:ext uri="{FF2B5EF4-FFF2-40B4-BE49-F238E27FC236}">
-                <a16:creationId xmlns:a16="http://schemas.microsoft.com/office/drawing/2014/main" id="{46238B23-7848-4B0F-BFFC-7C0E6C30517F}"/>
-              </a:ext>
-              <a:ext uri="{C183D7F6-B498-43B3-948B-1728B52AA6E4}">
-                <adec:decorative xmlns:adec="http://schemas.microsoft.com/office/drawing/2017/decorative" val="1"/>
-              </a:ext>
-            </a:extLst>
-          </p:cNvPr>
-          <p:cNvGrpSpPr>
-            <a:grpSpLocks noGrp="1" noUngrp="1" noRot="1" noChangeAspect="1" noMove="1" noResize="1"/>
-          </p:cNvGrpSpPr>
-          <p:nvPr>
-            <p:extLst>
-              <p:ext uri="{386F3935-93C4-4BCD-93E2-E3B085C9AB24}">
-                <p16:designElem xmlns:p16="http://schemas.microsoft.com/office/powerpoint/2015/main" val="1"/>
-              </p:ext>
-            </p:extLst>
-          </p:nvPr>
-        </p:nvGrpSpPr>
-        <p:grpSpPr>
-          <a:xfrm>
-            <a:off x="4464881" y="0"/>
-            <a:ext cx="7724071" cy="6858000"/>
-            <a:chOff x="4464881" y="0"/>
-            <a:chExt cx="7724071" cy="6858000"/>
-          </a:xfrm>
-        </p:grpSpPr>
-        <p:pic>
-          <p:nvPicPr>
-            <p:cNvPr id="15" name="Picture 14">
-              <a:extLst>
-                <a:ext uri="{FF2B5EF4-FFF2-40B4-BE49-F238E27FC236}">
-                  <a16:creationId xmlns:a16="http://schemas.microsoft.com/office/drawing/2014/main" id="{E977E703-46B3-4517-877D-764259CE5012}"/>
-                </a:ext>
-                <a:ext uri="{C183D7F6-B498-43B3-948B-1728B52AA6E4}">
-                  <adec:decorative xmlns:adec="http://schemas.microsoft.com/office/drawing/2017/decorative" val="1"/>
-                </a:ext>
-              </a:extLst>
-            </p:cNvPr>
-            <p:cNvPicPr>
-              <a:picLocks noChangeAspect="1"/>
-            </p:cNvPicPr>
-            <p:nvPr>
-              <p:extLst>
-                <p:ext uri="{386F3935-93C4-4BCD-93E2-E3B085C9AB24}">
-                  <p16:designElem xmlns:p16="http://schemas.microsoft.com/office/powerpoint/2015/main" val="1"/>
-                </p:ext>
-              </p:extLst>
-            </p:nvPr>
-          </p:nvPicPr>
-          <p:blipFill>
-            <a:blip r:embed="rId2">
-              <a:duotone>
-                <a:schemeClr val="accent6">
-                  <a:shade val="45000"/>
-                  <a:satMod val="135000"/>
-                </a:schemeClr>
-                <a:prstClr val="white"/>
-              </a:duotone>
-              <a:alphaModFix amt="15000"/>
-              <a:extLst>
-                <a:ext uri="{28A0092B-C50C-407E-A947-70E740481C1C}">
-                  <a14:useLocalDpi xmlns:a14="http://schemas.microsoft.com/office/drawing/2010/main" val="0"/>
-                </a:ext>
-              </a:extLst>
-            </a:blip>
-            <a:stretch>
-              <a:fillRect/>
-            </a:stretch>
-          </p:blipFill>
-          <p:spPr>
-            <a:xfrm>
-              <a:off x="7073255" y="0"/>
-              <a:ext cx="5115697" cy="6858000"/>
-            </a:xfrm>
-            <a:prstGeom prst="rect">
-              <a:avLst/>
-            </a:prstGeom>
-          </p:spPr>
-        </p:pic>
-        <p:pic>
-          <p:nvPicPr>
-            <p:cNvPr id="16" name="Picture 15">
-              <a:extLst>
-                <a:ext uri="{FF2B5EF4-FFF2-40B4-BE49-F238E27FC236}">
-                  <a16:creationId xmlns:a16="http://schemas.microsoft.com/office/drawing/2014/main" id="{16F22691-4426-4E20-AA0B-79FA8FDF9BD6}"/>
-                </a:ext>
-                <a:ext uri="{C183D7F6-B498-43B3-948B-1728B52AA6E4}">
-                  <adec:decorative xmlns:adec="http://schemas.microsoft.com/office/drawing/2017/decorative" val="1"/>
-                </a:ext>
-              </a:extLst>
-            </p:cNvPr>
-            <p:cNvPicPr>
-              <a:picLocks noChangeAspect="1"/>
-            </p:cNvPicPr>
-            <p:nvPr>
-              <p:extLst>
-                <p:ext uri="{386F3935-93C4-4BCD-93E2-E3B085C9AB24}">
-                  <p16:designElem xmlns:p16="http://schemas.microsoft.com/office/powerpoint/2015/main" val="1"/>
-                </p:ext>
-              </p:extLst>
-            </p:nvPr>
-          </p:nvPicPr>
-          <p:blipFill>
-            <a:blip r:embed="rId3">
-              <a:duotone>
-                <a:schemeClr val="accent6">
-                  <a:shade val="45000"/>
-                  <a:satMod val="135000"/>
-                </a:schemeClr>
-                <a:prstClr val="white"/>
-              </a:duotone>
-              <a:alphaModFix amt="7000"/>
-              <a:extLst>
-                <a:ext uri="{28A0092B-C50C-407E-A947-70E740481C1C}">
-                  <a14:useLocalDpi xmlns:a14="http://schemas.microsoft.com/office/drawing/2010/main" val="0"/>
-                </a:ext>
-              </a:extLst>
-            </a:blip>
-            <a:stretch>
-              <a:fillRect/>
-            </a:stretch>
-          </p:blipFill>
-          <p:spPr>
-            <a:xfrm rot="16200000">
-              <a:off x="5412135" y="-947254"/>
-              <a:ext cx="5562598" cy="7457106"/>
-            </a:xfrm>
-            <a:prstGeom prst="rect">
-              <a:avLst/>
-            </a:prstGeom>
-            <a:effectLst>
-              <a:softEdge rad="0"/>
-            </a:effectLst>
-          </p:spPr>
-        </p:pic>
-      </p:grpSp>
-      <p:sp>
-        <p:nvSpPr>
-          <p:cNvPr id="2" name="Title 1">
-            <a:extLst>
-              <a:ext uri="{FF2B5EF4-FFF2-40B4-BE49-F238E27FC236}">
-                <a16:creationId xmlns:a16="http://schemas.microsoft.com/office/drawing/2014/main" id="{1CAE1A7E-F2F9-DE62-A2A6-B9BBDC4F49CE}"/>
-              </a:ext>
-            </a:extLst>
-          </p:cNvPr>
-          <p:cNvSpPr>
-            <a:spLocks noGrp="1"/>
-          </p:cNvSpPr>
-          <p:nvPr>
-            <p:ph type="title"/>
-          </p:nvPr>
-        </p:nvSpPr>
-        <p:spPr>
-          <a:xfrm>
-            <a:off x="838200" y="586992"/>
-            <a:ext cx="5413250" cy="2175365"/>
-          </a:xfrm>
-        </p:spPr>
-        <p:txBody>
-          <a:bodyPr anchor="ctr">
-            <a:normAutofit/>
-          </a:bodyPr>
-          <a:lstStyle/>
-          <a:p>
-            <a:r>
-              <a:rPr lang="en-US" dirty="0"/>
-              <a:t>Data Sources</a:t>
-            </a:r>
-          </a:p>
-        </p:txBody>
-      </p:sp>
-      <p:sp>
-        <p:nvSpPr>
-          <p:cNvPr id="3" name="Content Placeholder 2">
-            <a:extLst>
-              <a:ext uri="{FF2B5EF4-FFF2-40B4-BE49-F238E27FC236}">
-                <a16:creationId xmlns:a16="http://schemas.microsoft.com/office/drawing/2014/main" id="{5A47C112-08D5-E962-E829-D8B006AA3AC6}"/>
-              </a:ext>
-            </a:extLst>
-          </p:cNvPr>
-          <p:cNvSpPr>
-            <a:spLocks noGrp="1"/>
-          </p:cNvSpPr>
-          <p:nvPr>
-            <p:ph idx="1"/>
-          </p:nvPr>
-        </p:nvSpPr>
-        <p:spPr>
-          <a:xfrm>
-            <a:off x="838200" y="2838557"/>
-            <a:ext cx="5412901" cy="3446247"/>
-          </a:xfrm>
-        </p:spPr>
-        <p:txBody>
-          <a:bodyPr anchor="ctr">
-            <a:normAutofit/>
-          </a:bodyPr>
-          <a:lstStyle/>
-          <a:p>
-            <a:r>
-              <a:rPr lang="en-US" sz="3200" dirty="0"/>
-              <a:t>Internal Sources</a:t>
-            </a:r>
-          </a:p>
-          <a:p>
-            <a:r>
-              <a:rPr lang="en-US" sz="3200" dirty="0"/>
-              <a:t>External Sources</a:t>
-            </a:r>
-          </a:p>
-          <a:p>
-            <a:r>
-              <a:rPr lang="en-US" sz="3200" dirty="0"/>
-              <a:t>Architect to Expand</a:t>
-            </a:r>
-          </a:p>
-          <a:p>
-            <a:endParaRPr lang="en-US" sz="3200" dirty="0"/>
-          </a:p>
-        </p:txBody>
-      </p:sp>
-      <p:pic>
-        <p:nvPicPr>
-          <p:cNvPr id="5" name="Picture 4" descr="A yellow and grey chart&#10;&#10;Description automatically generated with medium confidence">
-            <a:extLst>
-              <a:ext uri="{FF2B5EF4-FFF2-40B4-BE49-F238E27FC236}">
-                <a16:creationId xmlns:a16="http://schemas.microsoft.com/office/drawing/2014/main" id="{A97FCBC9-075F-82E8-DAF5-810ABD74BC10}"/>
-              </a:ext>
-            </a:extLst>
-          </p:cNvPr>
-          <p:cNvPicPr>
-            <a:picLocks noChangeAspect="1"/>
-          </p:cNvPicPr>
-          <p:nvPr/>
-        </p:nvPicPr>
-        <p:blipFill>
-          <a:blip r:embed="rId4"/>
-          <a:stretch>
-            <a:fillRect/>
-          </a:stretch>
-        </p:blipFill>
-        <p:spPr>
-          <a:xfrm>
-            <a:off x="5726812" y="957762"/>
-            <a:ext cx="6120715" cy="4942475"/>
-          </a:xfrm>
-          <a:prstGeom prst="rect">
-            <a:avLst/>
-          </a:prstGeom>
-        </p:spPr>
-      </p:pic>
-    </p:spTree>
-    <p:extLst>
-      <p:ext uri="{BB962C8B-B14F-4D97-AF65-F5344CB8AC3E}">
-        <p14:creationId xmlns:p14="http://schemas.microsoft.com/office/powerpoint/2010/main" val="3236670307"/>
-      </p:ext>
-    </p:extLst>
-  </p:cSld>
-  <p:clrMapOvr>
-    <a:masterClrMapping/>
-  </p:clrMapOvr>
-</p:sld>
-</file>
-
-<file path=ppt/slides/slide7.xml><?xml version="1.0" encoding="utf-8"?>
+<file path=ppt/slides/slide8.xml><?xml version="1.0" encoding="utf-8"?>
 <p:sld xmlns:a="http://schemas.openxmlformats.org/drawingml/2006/main" xmlns:r="http://schemas.openxmlformats.org/officeDocument/2006/relationships" xmlns:p="http://schemas.openxmlformats.org/presentationml/2006/main">
   <p:cSld>
     <p:spTree>
@@ -5261,6 +5190,98 @@
     <p:extLst>
       <p:ext uri="{BB962C8B-B14F-4D97-AF65-F5344CB8AC3E}">
         <p14:creationId xmlns:p14="http://schemas.microsoft.com/office/powerpoint/2010/main" val="361259193"/>
+      </p:ext>
+    </p:extLst>
+  </p:cSld>
+  <p:clrMapOvr>
+    <a:masterClrMapping/>
+  </p:clrMapOvr>
+</p:sld>
+</file>
+
+<file path=ppt/slides/slide9.xml><?xml version="1.0" encoding="utf-8"?>
+<p:sld xmlns:a="http://schemas.openxmlformats.org/drawingml/2006/main" xmlns:r="http://schemas.openxmlformats.org/officeDocument/2006/relationships" xmlns:p="http://schemas.openxmlformats.org/presentationml/2006/main">
+  <p:cSld>
+    <p:spTree>
+      <p:nvGrpSpPr>
+        <p:cNvPr id="1" name=""/>
+        <p:cNvGrpSpPr/>
+        <p:nvPr/>
+      </p:nvGrpSpPr>
+      <p:grpSpPr>
+        <a:xfrm>
+          <a:off x="0" y="0"/>
+          <a:ext cx="0" cy="0"/>
+          <a:chOff x="0" y="0"/>
+          <a:chExt cx="0" cy="0"/>
+        </a:xfrm>
+      </p:grpSpPr>
+      <p:sp>
+        <p:nvSpPr>
+          <p:cNvPr id="2" name="Title 1">
+            <a:extLst>
+              <a:ext uri="{FF2B5EF4-FFF2-40B4-BE49-F238E27FC236}">
+                <a16:creationId xmlns:a16="http://schemas.microsoft.com/office/drawing/2014/main" id="{E0F431F8-21D2-2E0B-67C1-9EFEB61D8DFC}"/>
+              </a:ext>
+            </a:extLst>
+          </p:cNvPr>
+          <p:cNvSpPr>
+            <a:spLocks noGrp="1"/>
+          </p:cNvSpPr>
+          <p:nvPr>
+            <p:ph type="title"/>
+          </p:nvPr>
+        </p:nvSpPr>
+        <p:spPr/>
+        <p:txBody>
+          <a:bodyPr/>
+          <a:lstStyle/>
+          <a:p>
+            <a:r>
+              <a:rPr lang="en-US" dirty="0"/>
+              <a:t>Things to Consider</a:t>
+            </a:r>
+          </a:p>
+        </p:txBody>
+      </p:sp>
+      <p:sp>
+        <p:nvSpPr>
+          <p:cNvPr id="3" name="Content Placeholder 2">
+            <a:extLst>
+              <a:ext uri="{FF2B5EF4-FFF2-40B4-BE49-F238E27FC236}">
+                <a16:creationId xmlns:a16="http://schemas.microsoft.com/office/drawing/2014/main" id="{CDA38C93-FB94-AA89-A285-CDF0AAA806A5}"/>
+              </a:ext>
+            </a:extLst>
+          </p:cNvPr>
+          <p:cNvSpPr>
+            <a:spLocks noGrp="1"/>
+          </p:cNvSpPr>
+          <p:nvPr>
+            <p:ph idx="1"/>
+          </p:nvPr>
+        </p:nvSpPr>
+        <p:spPr/>
+        <p:txBody>
+          <a:bodyPr/>
+          <a:lstStyle/>
+          <a:p>
+            <a:r>
+              <a:rPr lang="en-US" dirty="0"/>
+              <a:t>Rules based or Machine Learning Algorithm</a:t>
+            </a:r>
+          </a:p>
+          <a:p>
+            <a:r>
+              <a:rPr lang="en-US" dirty="0"/>
+              <a:t>Dedicated software for data preparation or built in to Owl Vision</a:t>
+            </a:r>
+          </a:p>
+        </p:txBody>
+      </p:sp>
+    </p:spTree>
+    <p:extLst>
+      <p:ext uri="{BB962C8B-B14F-4D97-AF65-F5344CB8AC3E}">
+        <p14:creationId xmlns:p14="http://schemas.microsoft.com/office/powerpoint/2010/main" val="154770369"/>
       </p:ext>
     </p:extLst>
   </p:cSld>
